--- a/Microsoft 365 Enterprise License Map.pptx
+++ b/Microsoft 365 Enterprise License Map.pptx
@@ -130,7 +130,7 @@
 <file path=ppt/revisionInfo.xml><?xml version="1.0" encoding="utf-8"?>
 <p1510:revInfo xmlns:a="http://schemas.openxmlformats.org/drawingml/2006/main" xmlns:r="http://schemas.openxmlformats.org/officeDocument/2006/relationships" xmlns:p1510="http://schemas.microsoft.com/office/powerpoint/2015/10/main">
   <p1510:revLst>
-    <p1510:client id="{E70B6982-44FB-4297-A1A9-7B1A30B92B16}" v="211" dt="2019-05-04T08:03:16.937"/>
+    <p1510:client id="{7BC730E5-1A7D-4DC0-86E2-0018B05C5DB3}" v="336" dt="2019-07-20T11:09:43.395"/>
   </p1510:revLst>
 </p1510:revInfo>
 </file>
@@ -284,7 +284,7 @@
           <a:p>
             <a:fld id="{5A8F0079-C155-4963-BA90-8B06FFA7587C}" type="datetimeFigureOut">
               <a:rPr lang="en-AU" smtClean="0"/>
-              <a:t>9/05/2019</a:t>
+              <a:t>20/07/2019</a:t>
             </a:fld>
             <a:endParaRPr lang="en-AU"/>
           </a:p>
@@ -484,7 +484,7 @@
           <a:p>
             <a:fld id="{5A8F0079-C155-4963-BA90-8B06FFA7587C}" type="datetimeFigureOut">
               <a:rPr lang="en-AU" smtClean="0"/>
-              <a:t>9/05/2019</a:t>
+              <a:t>20/07/2019</a:t>
             </a:fld>
             <a:endParaRPr lang="en-AU"/>
           </a:p>
@@ -694,7 +694,7 @@
           <a:p>
             <a:fld id="{5A8F0079-C155-4963-BA90-8B06FFA7587C}" type="datetimeFigureOut">
               <a:rPr lang="en-AU" smtClean="0"/>
-              <a:t>9/05/2019</a:t>
+              <a:t>20/07/2019</a:t>
             </a:fld>
             <a:endParaRPr lang="en-AU"/>
           </a:p>
@@ -894,7 +894,7 @@
           <a:p>
             <a:fld id="{5A8F0079-C155-4963-BA90-8B06FFA7587C}" type="datetimeFigureOut">
               <a:rPr lang="en-AU" smtClean="0"/>
-              <a:t>9/05/2019</a:t>
+              <a:t>20/07/2019</a:t>
             </a:fld>
             <a:endParaRPr lang="en-AU"/>
           </a:p>
@@ -1170,7 +1170,7 @@
           <a:p>
             <a:fld id="{5A8F0079-C155-4963-BA90-8B06FFA7587C}" type="datetimeFigureOut">
               <a:rPr lang="en-AU" smtClean="0"/>
-              <a:t>9/05/2019</a:t>
+              <a:t>20/07/2019</a:t>
             </a:fld>
             <a:endParaRPr lang="en-AU"/>
           </a:p>
@@ -1438,7 +1438,7 @@
           <a:p>
             <a:fld id="{5A8F0079-C155-4963-BA90-8B06FFA7587C}" type="datetimeFigureOut">
               <a:rPr lang="en-AU" smtClean="0"/>
-              <a:t>9/05/2019</a:t>
+              <a:t>20/07/2019</a:t>
             </a:fld>
             <a:endParaRPr lang="en-AU"/>
           </a:p>
@@ -1853,7 +1853,7 @@
           <a:p>
             <a:fld id="{5A8F0079-C155-4963-BA90-8B06FFA7587C}" type="datetimeFigureOut">
               <a:rPr lang="en-AU" smtClean="0"/>
-              <a:t>9/05/2019</a:t>
+              <a:t>20/07/2019</a:t>
             </a:fld>
             <a:endParaRPr lang="en-AU"/>
           </a:p>
@@ -1995,7 +1995,7 @@
           <a:p>
             <a:fld id="{5A8F0079-C155-4963-BA90-8B06FFA7587C}" type="datetimeFigureOut">
               <a:rPr lang="en-AU" smtClean="0"/>
-              <a:t>9/05/2019</a:t>
+              <a:t>20/07/2019</a:t>
             </a:fld>
             <a:endParaRPr lang="en-AU"/>
           </a:p>
@@ -2108,7 +2108,7 @@
           <a:p>
             <a:fld id="{5A8F0079-C155-4963-BA90-8B06FFA7587C}" type="datetimeFigureOut">
               <a:rPr lang="en-AU" smtClean="0"/>
-              <a:t>9/05/2019</a:t>
+              <a:t>20/07/2019</a:t>
             </a:fld>
             <a:endParaRPr lang="en-AU"/>
           </a:p>
@@ -2421,7 +2421,7 @@
           <a:p>
             <a:fld id="{5A8F0079-C155-4963-BA90-8B06FFA7587C}" type="datetimeFigureOut">
               <a:rPr lang="en-AU" smtClean="0"/>
-              <a:t>9/05/2019</a:t>
+              <a:t>20/07/2019</a:t>
             </a:fld>
             <a:endParaRPr lang="en-AU"/>
           </a:p>
@@ -2710,7 +2710,7 @@
           <a:p>
             <a:fld id="{5A8F0079-C155-4963-BA90-8B06FFA7587C}" type="datetimeFigureOut">
               <a:rPr lang="en-AU" smtClean="0"/>
-              <a:t>9/05/2019</a:t>
+              <a:t>20/07/2019</a:t>
             </a:fld>
             <a:endParaRPr lang="en-AU"/>
           </a:p>
@@ -2953,7 +2953,7 @@
           <a:p>
             <a:fld id="{5A8F0079-C155-4963-BA90-8B06FFA7587C}" type="datetimeFigureOut">
               <a:rPr lang="en-AU" smtClean="0"/>
-              <a:t>9/05/2019</a:t>
+              <a:t>20/07/2019</a:t>
             </a:fld>
             <a:endParaRPr lang="en-AU"/>
           </a:p>
@@ -3421,7 +3421,7 @@
           <a:p>
             <a:r>
               <a:rPr lang="en-AU" dirty="0"/>
-              <a:t>License Map – May 2019</a:t>
+              <a:t>License Map – July 2019</a:t>
             </a:r>
           </a:p>
           <a:p>
@@ -3473,7 +3473,7 @@
       </p:grpSpPr>
       <p:pic>
         <p:nvPicPr>
-          <p:cNvPr id="5" name="Picture 4">
+          <p:cNvPr id="5" name="Picture 4" descr="Microsoft 365 E3 License Map">
             <a:extLst>
               <a:ext uri="{FF2B5EF4-FFF2-40B4-BE49-F238E27FC236}">
                 <a16:creationId xmlns:a16="http://schemas.microsoft.com/office/drawing/2014/main" id="{15BE3705-2A0D-4CDB-B4B4-8AA00B1A7A10}"/>
@@ -3498,8 +3498,8 @@
         </p:blipFill>
         <p:spPr>
           <a:xfrm>
-            <a:off x="1" y="606402"/>
-            <a:ext cx="12191998" cy="5645195"/>
+            <a:off x="2" y="606402"/>
+            <a:ext cx="12191996" cy="5645195"/>
           </a:xfrm>
           <a:prstGeom prst="rect">
             <a:avLst/>
@@ -7408,7 +7408,7 @@
         </p:nvSpPr>
         <p:spPr>
           <a:xfrm>
-            <a:off x="10981989" y="6581001"/>
+            <a:off x="11015240" y="6592085"/>
             <a:ext cx="1210011" cy="276999"/>
           </a:xfrm>
           <a:prstGeom prst="rect">
@@ -7481,7 +7481,7 @@
       </p:grpSpPr>
       <p:pic>
         <p:nvPicPr>
-          <p:cNvPr id="3" name="Picture 2">
+          <p:cNvPr id="3" name="Picture 2" descr="Microsoft 365 E5 License Map">
             <a:extLst>
               <a:ext uri="{FF2B5EF4-FFF2-40B4-BE49-F238E27FC236}">
                 <a16:creationId xmlns:a16="http://schemas.microsoft.com/office/drawing/2014/main" id="{BA9F5777-A10A-4E00-93E0-73C545A0B898}"/>
@@ -7507,7 +7507,7 @@
         <p:spPr>
           <a:xfrm>
             <a:off x="0" y="197565"/>
-            <a:ext cx="12191999" cy="6462869"/>
+            <a:ext cx="12191998" cy="6462869"/>
           </a:xfrm>
           <a:prstGeom prst="rect">
             <a:avLst/>
@@ -9275,7 +9275,7 @@
       </p:grpSpPr>
       <p:pic>
         <p:nvPicPr>
-          <p:cNvPr id="3" name="Picture 2">
+          <p:cNvPr id="3" name="Picture 2" descr="Microsoft 365 additional licensing options">
             <a:extLst>
               <a:ext uri="{FF2B5EF4-FFF2-40B4-BE49-F238E27FC236}">
                 <a16:creationId xmlns:a16="http://schemas.microsoft.com/office/drawing/2014/main" id="{39DC59B5-D6D7-4E3B-9618-D6ECC76CD99B}"/>
@@ -9300,8 +9300,8 @@
         </p:blipFill>
         <p:spPr>
           <a:xfrm>
-            <a:off x="7881428" y="99753"/>
-            <a:ext cx="3381022" cy="6658494"/>
+            <a:off x="8047888" y="99753"/>
+            <a:ext cx="3048101" cy="6658494"/>
           </a:xfrm>
           <a:prstGeom prst="rect">
             <a:avLst/>
@@ -9310,7 +9310,7 @@
       </p:pic>
       <p:pic>
         <p:nvPicPr>
-          <p:cNvPr id="5" name="Picture 4">
+          <p:cNvPr id="5" name="Picture 4" descr="Microsoft 365 benefits">
             <a:extLst>
               <a:ext uri="{FF2B5EF4-FFF2-40B4-BE49-F238E27FC236}">
                 <a16:creationId xmlns:a16="http://schemas.microsoft.com/office/drawing/2014/main" id="{2B4384E0-7F8F-4809-BBB5-10EEB14378AC}"/>
@@ -9470,8 +9470,8 @@
         </p:nvSpPr>
         <p:spPr>
           <a:xfrm>
-            <a:off x="7911400" y="587142"/>
-            <a:ext cx="695739" cy="589649"/>
+            <a:off x="8047888" y="587141"/>
+            <a:ext cx="3048101" cy="443637"/>
           </a:xfrm>
           <a:prstGeom prst="rect">
             <a:avLst/>
@@ -9524,8 +9524,8 @@
         </p:nvSpPr>
         <p:spPr>
           <a:xfrm>
-            <a:off x="7911400" y="1319181"/>
-            <a:ext cx="695739" cy="589649"/>
+            <a:off x="8047888" y="1239823"/>
+            <a:ext cx="3048101" cy="443638"/>
           </a:xfrm>
           <a:prstGeom prst="rect">
             <a:avLst/>
@@ -9578,8 +9578,8 @@
         </p:nvSpPr>
         <p:spPr>
           <a:xfrm>
-            <a:off x="7911400" y="2053681"/>
-            <a:ext cx="695739" cy="589649"/>
+            <a:off x="8047888" y="1892507"/>
+            <a:ext cx="3048101" cy="443638"/>
           </a:xfrm>
           <a:prstGeom prst="rect">
             <a:avLst/>
@@ -9632,8 +9632,8 @@
         </p:nvSpPr>
         <p:spPr>
           <a:xfrm>
-            <a:off x="7911400" y="2785720"/>
-            <a:ext cx="695739" cy="589649"/>
+            <a:off x="8047888" y="2551607"/>
+            <a:ext cx="3048101" cy="443638"/>
           </a:xfrm>
           <a:prstGeom prst="rect">
             <a:avLst/>
@@ -9686,8 +9686,8 @@
         </p:nvSpPr>
         <p:spPr>
           <a:xfrm>
-            <a:off x="7911400" y="3482632"/>
-            <a:ext cx="695739" cy="589649"/>
+            <a:off x="8047888" y="3210708"/>
+            <a:ext cx="3048101" cy="443637"/>
           </a:xfrm>
           <a:prstGeom prst="rect">
             <a:avLst/>
@@ -9740,8 +9740,8 @@
         </p:nvSpPr>
         <p:spPr>
           <a:xfrm>
-            <a:off x="7911400" y="4214671"/>
-            <a:ext cx="695739" cy="589649"/>
+            <a:off x="8047888" y="3869809"/>
+            <a:ext cx="3048101" cy="443637"/>
           </a:xfrm>
           <a:prstGeom prst="rect">
             <a:avLst/>
@@ -9794,8 +9794,8 @@
         </p:nvSpPr>
         <p:spPr>
           <a:xfrm>
-            <a:off x="7911400" y="4949171"/>
-            <a:ext cx="695739" cy="589649"/>
+            <a:off x="8047888" y="4528911"/>
+            <a:ext cx="3048101" cy="443637"/>
           </a:xfrm>
           <a:prstGeom prst="rect">
             <a:avLst/>
@@ -9848,8 +9848,8 @@
         </p:nvSpPr>
         <p:spPr>
           <a:xfrm>
-            <a:off x="7911400" y="5681210"/>
-            <a:ext cx="695739" cy="589649"/>
+            <a:off x="8047888" y="5182472"/>
+            <a:ext cx="3048101" cy="430163"/>
           </a:xfrm>
           <a:prstGeom prst="rect">
             <a:avLst/>
@@ -9921,6 +9921,98 @@
               <a:rPr lang="en-AU" dirty="0"/>
               <a:t>and Additional Licensing</a:t>
             </a:r>
+          </a:p>
+        </p:txBody>
+      </p:sp>
+      <p:sp>
+        <p:nvSpPr>
+          <p:cNvPr id="17" name="Rectangle 16">
+            <a:hlinkClick r:id="rId13"/>
+            <a:extLst>
+              <a:ext uri="{FF2B5EF4-FFF2-40B4-BE49-F238E27FC236}">
+                <a16:creationId xmlns:a16="http://schemas.microsoft.com/office/drawing/2014/main" id="{C2C9A3A7-0F0C-4B5C-A6C4-2BAF3AC1E12B}"/>
+              </a:ext>
+              <a:ext uri="{C183D7F6-B498-43B3-948B-1728B52AA6E4}">
+                <adec:decorative xmlns:adec="http://schemas.microsoft.com/office/drawing/2017/decorative" val="1"/>
+              </a:ext>
+            </a:extLst>
+          </p:cNvPr>
+          <p:cNvSpPr/>
+          <p:nvPr/>
+        </p:nvSpPr>
+        <p:spPr>
+          <a:xfrm>
+            <a:off x="8047888" y="5839185"/>
+            <a:ext cx="3048101" cy="430163"/>
+          </a:xfrm>
+          <a:prstGeom prst="rect">
+            <a:avLst/>
+          </a:prstGeom>
+          <a:noFill/>
+          <a:ln>
+            <a:noFill/>
+          </a:ln>
+        </p:spPr>
+        <p:style>
+          <a:lnRef idx="2">
+            <a:schemeClr val="accent1">
+              <a:shade val="50000"/>
+            </a:schemeClr>
+          </a:lnRef>
+          <a:fillRef idx="1">
+            <a:schemeClr val="accent1"/>
+          </a:fillRef>
+          <a:effectRef idx="0">
+            <a:schemeClr val="accent1"/>
+          </a:effectRef>
+          <a:fontRef idx="minor">
+            <a:schemeClr val="lt1"/>
+          </a:fontRef>
+        </p:style>
+        <p:txBody>
+          <a:bodyPr rtlCol="0" anchor="ctr"/>
+          <a:lstStyle/>
+          <a:p>
+            <a:pPr algn="ctr"/>
+            <a:endParaRPr lang="en-AU"/>
+          </a:p>
+        </p:txBody>
+      </p:sp>
+      <p:sp>
+        <p:nvSpPr>
+          <p:cNvPr id="18" name="Rectangle 17">
+            <a:extLst>
+              <a:ext uri="{FF2B5EF4-FFF2-40B4-BE49-F238E27FC236}">
+                <a16:creationId xmlns:a16="http://schemas.microsoft.com/office/drawing/2014/main" id="{E2759E57-AA3E-4916-B842-AFC7CDDBE713}"/>
+              </a:ext>
+            </a:extLst>
+          </p:cNvPr>
+          <p:cNvSpPr/>
+          <p:nvPr/>
+        </p:nvSpPr>
+        <p:spPr>
+          <a:xfrm>
+            <a:off x="2153165" y="6481248"/>
+            <a:ext cx="3942836" cy="276999"/>
+          </a:xfrm>
+          <a:prstGeom prst="rect">
+            <a:avLst/>
+          </a:prstGeom>
+        </p:spPr>
+        <p:txBody>
+          <a:bodyPr wrap="square">
+            <a:spAutoFit/>
+          </a:bodyPr>
+          <a:lstStyle/>
+          <a:p>
+            <a:pPr algn="ctr"/>
+            <a:r>
+              <a:rPr lang="en-AU" sz="1200" dirty="0">
+                <a:hlinkClick r:id="rId14"/>
+              </a:rPr>
+              <a:t>https://github.com/AaronDinnage/Licensing</a:t>
+            </a:r>
+            <a:endParaRPr lang="en-AU" sz="1200" dirty="0"/>
           </a:p>
         </p:txBody>
       </p:sp>
